--- a/pics/diagrams.pptx
+++ b/pics/diagrams.pptx
@@ -9,6 +9,7 @@
     <p:sldId id="257" r:id="rId3"/>
     <p:sldId id="258" r:id="rId4"/>
     <p:sldId id="259" r:id="rId5"/>
+    <p:sldId id="260" r:id="rId6"/>
   </p:sldIdLst>
   <p:sldSz cx="12192000" cy="6858000"/>
   <p:notesSz cx="6858000" cy="9144000"/>
@@ -264,7 +265,7 @@
           <a:p>
             <a:fld id="{3B1D7538-6683-4CB8-92BC-31B9EEECFFE0}" type="datetimeFigureOut">
               <a:rPr lang="en-GB" smtClean="0"/>
-              <a:t>10/01/2024</a:t>
+              <a:t>11/01/2024</a:t>
             </a:fld>
             <a:endParaRPr lang="en-GB"/>
           </a:p>
@@ -464,7 +465,7 @@
           <a:p>
             <a:fld id="{3B1D7538-6683-4CB8-92BC-31B9EEECFFE0}" type="datetimeFigureOut">
               <a:rPr lang="en-GB" smtClean="0"/>
-              <a:t>10/01/2024</a:t>
+              <a:t>11/01/2024</a:t>
             </a:fld>
             <a:endParaRPr lang="en-GB"/>
           </a:p>
@@ -674,7 +675,7 @@
           <a:p>
             <a:fld id="{3B1D7538-6683-4CB8-92BC-31B9EEECFFE0}" type="datetimeFigureOut">
               <a:rPr lang="en-GB" smtClean="0"/>
-              <a:t>10/01/2024</a:t>
+              <a:t>11/01/2024</a:t>
             </a:fld>
             <a:endParaRPr lang="en-GB"/>
           </a:p>
@@ -874,7 +875,7 @@
           <a:p>
             <a:fld id="{3B1D7538-6683-4CB8-92BC-31B9EEECFFE0}" type="datetimeFigureOut">
               <a:rPr lang="en-GB" smtClean="0"/>
-              <a:t>10/01/2024</a:t>
+              <a:t>11/01/2024</a:t>
             </a:fld>
             <a:endParaRPr lang="en-GB"/>
           </a:p>
@@ -1150,7 +1151,7 @@
           <a:p>
             <a:fld id="{3B1D7538-6683-4CB8-92BC-31B9EEECFFE0}" type="datetimeFigureOut">
               <a:rPr lang="en-GB" smtClean="0"/>
-              <a:t>10/01/2024</a:t>
+              <a:t>11/01/2024</a:t>
             </a:fld>
             <a:endParaRPr lang="en-GB"/>
           </a:p>
@@ -1418,7 +1419,7 @@
           <a:p>
             <a:fld id="{3B1D7538-6683-4CB8-92BC-31B9EEECFFE0}" type="datetimeFigureOut">
               <a:rPr lang="en-GB" smtClean="0"/>
-              <a:t>10/01/2024</a:t>
+              <a:t>11/01/2024</a:t>
             </a:fld>
             <a:endParaRPr lang="en-GB"/>
           </a:p>
@@ -1833,7 +1834,7 @@
           <a:p>
             <a:fld id="{3B1D7538-6683-4CB8-92BC-31B9EEECFFE0}" type="datetimeFigureOut">
               <a:rPr lang="en-GB" smtClean="0"/>
-              <a:t>10/01/2024</a:t>
+              <a:t>11/01/2024</a:t>
             </a:fld>
             <a:endParaRPr lang="en-GB"/>
           </a:p>
@@ -1975,7 +1976,7 @@
           <a:p>
             <a:fld id="{3B1D7538-6683-4CB8-92BC-31B9EEECFFE0}" type="datetimeFigureOut">
               <a:rPr lang="en-GB" smtClean="0"/>
-              <a:t>10/01/2024</a:t>
+              <a:t>11/01/2024</a:t>
             </a:fld>
             <a:endParaRPr lang="en-GB"/>
           </a:p>
@@ -2088,7 +2089,7 @@
           <a:p>
             <a:fld id="{3B1D7538-6683-4CB8-92BC-31B9EEECFFE0}" type="datetimeFigureOut">
               <a:rPr lang="en-GB" smtClean="0"/>
-              <a:t>10/01/2024</a:t>
+              <a:t>11/01/2024</a:t>
             </a:fld>
             <a:endParaRPr lang="en-GB"/>
           </a:p>
@@ -2401,7 +2402,7 @@
           <a:p>
             <a:fld id="{3B1D7538-6683-4CB8-92BC-31B9EEECFFE0}" type="datetimeFigureOut">
               <a:rPr lang="en-GB" smtClean="0"/>
-              <a:t>10/01/2024</a:t>
+              <a:t>11/01/2024</a:t>
             </a:fld>
             <a:endParaRPr lang="en-GB"/>
           </a:p>
@@ -2690,7 +2691,7 @@
           <a:p>
             <a:fld id="{3B1D7538-6683-4CB8-92BC-31B9EEECFFE0}" type="datetimeFigureOut">
               <a:rPr lang="en-GB" smtClean="0"/>
-              <a:t>10/01/2024</a:t>
+              <a:t>11/01/2024</a:t>
             </a:fld>
             <a:endParaRPr lang="en-GB"/>
           </a:p>
@@ -2933,7 +2934,7 @@
           <a:p>
             <a:fld id="{3B1D7538-6683-4CB8-92BC-31B9EEECFFE0}" type="datetimeFigureOut">
               <a:rPr lang="en-GB" smtClean="0"/>
-              <a:t>10/01/2024</a:t>
+              <a:t>11/01/2024</a:t>
             </a:fld>
             <a:endParaRPr lang="en-GB"/>
           </a:p>
@@ -8115,6 +8116,1113 @@
 </p:sld>
 </file>
 
+<file path=ppt/slides/slide5.xml><?xml version="1.0" encoding="utf-8"?>
+<p:sld xmlns:a="http://schemas.openxmlformats.org/drawingml/2006/main" xmlns:r="http://schemas.openxmlformats.org/officeDocument/2006/relationships" xmlns:p="http://schemas.openxmlformats.org/presentationml/2006/main">
+  <p:cSld>
+    <p:spTree>
+      <p:nvGrpSpPr>
+        <p:cNvPr id="1" name=""/>
+        <p:cNvGrpSpPr/>
+        <p:nvPr/>
+      </p:nvGrpSpPr>
+      <p:grpSpPr>
+        <a:xfrm>
+          <a:off x="0" y="0"/>
+          <a:ext cx="0" cy="0"/>
+          <a:chOff x="0" y="0"/>
+          <a:chExt cx="0" cy="0"/>
+        </a:xfrm>
+      </p:grpSpPr>
+      <p:sp>
+        <p:nvSpPr>
+          <p:cNvPr id="2" name="Прямокутник: округлені кути 1">
+            <a:extLst>
+              <a:ext uri="{FF2B5EF4-FFF2-40B4-BE49-F238E27FC236}">
+                <a16:creationId xmlns:a16="http://schemas.microsoft.com/office/drawing/2014/main" id="{911A9F39-2DD7-B15E-99A8-327AB09F5EF3}"/>
+              </a:ext>
+            </a:extLst>
+          </p:cNvPr>
+          <p:cNvSpPr/>
+          <p:nvPr/>
+        </p:nvSpPr>
+        <p:spPr>
+          <a:xfrm>
+            <a:off x="553632" y="709602"/>
+            <a:ext cx="2016000" cy="720000"/>
+          </a:xfrm>
+          <a:prstGeom prst="roundRect">
+            <a:avLst/>
+          </a:prstGeom>
+          <a:solidFill>
+            <a:schemeClr val="accent5">
+              <a:lumMod val="20000"/>
+              <a:lumOff val="80000"/>
+            </a:schemeClr>
+          </a:solidFill>
+          <a:ln cmpd="sng">
+            <a:solidFill>
+              <a:schemeClr val="tx1"/>
+            </a:solidFill>
+          </a:ln>
+        </p:spPr>
+        <p:style>
+          <a:lnRef idx="2">
+            <a:schemeClr val="accent1">
+              <a:shade val="15000"/>
+            </a:schemeClr>
+          </a:lnRef>
+          <a:fillRef idx="1">
+            <a:schemeClr val="accent1"/>
+          </a:fillRef>
+          <a:effectRef idx="0">
+            <a:schemeClr val="accent1"/>
+          </a:effectRef>
+          <a:fontRef idx="minor">
+            <a:schemeClr val="lt1"/>
+          </a:fontRef>
+        </p:style>
+        <p:txBody>
+          <a:bodyPr rtlCol="0" anchor="ctr"/>
+          <a:lstStyle/>
+          <a:p>
+            <a:pPr algn="ctr"/>
+            <a:r>
+              <a:rPr lang="de-DE" sz="2400" dirty="0">
+                <a:solidFill>
+                  <a:schemeClr val="tx1"/>
+                </a:solidFill>
+              </a:rPr>
+              <a:t>Device Discovery</a:t>
+            </a:r>
+            <a:endParaRPr lang="en-GB" sz="2400" dirty="0">
+              <a:solidFill>
+                <a:schemeClr val="tx1"/>
+              </a:solidFill>
+            </a:endParaRPr>
+          </a:p>
+        </p:txBody>
+      </p:sp>
+      <p:sp>
+        <p:nvSpPr>
+          <p:cNvPr id="3" name="Прямокутник: округлені кути 2">
+            <a:extLst>
+              <a:ext uri="{FF2B5EF4-FFF2-40B4-BE49-F238E27FC236}">
+                <a16:creationId xmlns:a16="http://schemas.microsoft.com/office/drawing/2014/main" id="{CBC1BE3F-9A96-B1E2-8839-67F91F234763}"/>
+              </a:ext>
+            </a:extLst>
+          </p:cNvPr>
+          <p:cNvSpPr/>
+          <p:nvPr/>
+        </p:nvSpPr>
+        <p:spPr>
+          <a:xfrm>
+            <a:off x="3547529" y="716426"/>
+            <a:ext cx="2016000" cy="720000"/>
+          </a:xfrm>
+          <a:prstGeom prst="roundRect">
+            <a:avLst/>
+          </a:prstGeom>
+          <a:solidFill>
+            <a:schemeClr val="accent5">
+              <a:lumMod val="20000"/>
+              <a:lumOff val="80000"/>
+            </a:schemeClr>
+          </a:solidFill>
+          <a:ln cmpd="sng">
+            <a:solidFill>
+              <a:schemeClr val="tx1"/>
+            </a:solidFill>
+          </a:ln>
+        </p:spPr>
+        <p:style>
+          <a:lnRef idx="2">
+            <a:schemeClr val="accent1">
+              <a:shade val="15000"/>
+            </a:schemeClr>
+          </a:lnRef>
+          <a:fillRef idx="1">
+            <a:schemeClr val="accent1"/>
+          </a:fillRef>
+          <a:effectRef idx="0">
+            <a:schemeClr val="accent1"/>
+          </a:effectRef>
+          <a:fontRef idx="minor">
+            <a:schemeClr val="lt1"/>
+          </a:fontRef>
+        </p:style>
+        <p:txBody>
+          <a:bodyPr rtlCol="0" anchor="ctr"/>
+          <a:lstStyle/>
+          <a:p>
+            <a:pPr algn="ctr"/>
+            <a:r>
+              <a:rPr lang="de-DE" sz="2400" dirty="0">
+                <a:solidFill>
+                  <a:schemeClr val="tx1"/>
+                </a:solidFill>
+              </a:rPr>
+              <a:t>PASE</a:t>
+            </a:r>
+            <a:endParaRPr lang="en-GB" sz="2400" dirty="0">
+              <a:solidFill>
+                <a:schemeClr val="tx1"/>
+              </a:solidFill>
+            </a:endParaRPr>
+          </a:p>
+        </p:txBody>
+      </p:sp>
+      <p:sp>
+        <p:nvSpPr>
+          <p:cNvPr id="4" name="Прямокутник: округлені кути 3">
+            <a:extLst>
+              <a:ext uri="{FF2B5EF4-FFF2-40B4-BE49-F238E27FC236}">
+                <a16:creationId xmlns:a16="http://schemas.microsoft.com/office/drawing/2014/main" id="{2105D722-2A51-DA29-9BB1-A6C8D3242DF0}"/>
+              </a:ext>
+            </a:extLst>
+          </p:cNvPr>
+          <p:cNvSpPr/>
+          <p:nvPr/>
+        </p:nvSpPr>
+        <p:spPr>
+          <a:xfrm>
+            <a:off x="6541426" y="716426"/>
+            <a:ext cx="2016000" cy="720000"/>
+          </a:xfrm>
+          <a:prstGeom prst="roundRect">
+            <a:avLst/>
+          </a:prstGeom>
+          <a:solidFill>
+            <a:schemeClr val="accent5">
+              <a:lumMod val="20000"/>
+              <a:lumOff val="80000"/>
+            </a:schemeClr>
+          </a:solidFill>
+          <a:ln cmpd="sng">
+            <a:solidFill>
+              <a:schemeClr val="tx1"/>
+            </a:solidFill>
+          </a:ln>
+        </p:spPr>
+        <p:style>
+          <a:lnRef idx="2">
+            <a:schemeClr val="accent1">
+              <a:shade val="15000"/>
+            </a:schemeClr>
+          </a:lnRef>
+          <a:fillRef idx="1">
+            <a:schemeClr val="accent1"/>
+          </a:fillRef>
+          <a:effectRef idx="0">
+            <a:schemeClr val="accent1"/>
+          </a:effectRef>
+          <a:fontRef idx="minor">
+            <a:schemeClr val="lt1"/>
+          </a:fontRef>
+        </p:style>
+        <p:txBody>
+          <a:bodyPr rtlCol="0" anchor="ctr"/>
+          <a:lstStyle/>
+          <a:p>
+            <a:pPr algn="ctr"/>
+            <a:r>
+              <a:rPr lang="de-DE" sz="2400" dirty="0" err="1">
+                <a:solidFill>
+                  <a:schemeClr val="tx1"/>
+                </a:solidFill>
+              </a:rPr>
+              <a:t>Get</a:t>
+            </a:r>
+            <a:r>
+              <a:rPr lang="de-DE" sz="2400" dirty="0">
+                <a:solidFill>
+                  <a:schemeClr val="tx1"/>
+                </a:solidFill>
+              </a:rPr>
+              <a:t> Device Information</a:t>
+            </a:r>
+            <a:endParaRPr lang="en-GB" sz="2400" dirty="0">
+              <a:solidFill>
+                <a:schemeClr val="tx1"/>
+              </a:solidFill>
+            </a:endParaRPr>
+          </a:p>
+        </p:txBody>
+      </p:sp>
+      <p:sp>
+        <p:nvSpPr>
+          <p:cNvPr id="5" name="Прямокутник: округлені кути 4">
+            <a:extLst>
+              <a:ext uri="{FF2B5EF4-FFF2-40B4-BE49-F238E27FC236}">
+                <a16:creationId xmlns:a16="http://schemas.microsoft.com/office/drawing/2014/main" id="{A60BC55D-E749-EABD-B8C9-A4FF452D7497}"/>
+              </a:ext>
+            </a:extLst>
+          </p:cNvPr>
+          <p:cNvSpPr/>
+          <p:nvPr/>
+        </p:nvSpPr>
+        <p:spPr>
+          <a:xfrm>
+            <a:off x="9528753" y="709602"/>
+            <a:ext cx="2016000" cy="720000"/>
+          </a:xfrm>
+          <a:prstGeom prst="roundRect">
+            <a:avLst/>
+          </a:prstGeom>
+          <a:solidFill>
+            <a:schemeClr val="accent5">
+              <a:lumMod val="20000"/>
+              <a:lumOff val="80000"/>
+            </a:schemeClr>
+          </a:solidFill>
+          <a:ln cmpd="sng">
+            <a:solidFill>
+              <a:schemeClr val="tx1"/>
+            </a:solidFill>
+          </a:ln>
+        </p:spPr>
+        <p:style>
+          <a:lnRef idx="2">
+            <a:schemeClr val="accent1">
+              <a:shade val="15000"/>
+            </a:schemeClr>
+          </a:lnRef>
+          <a:fillRef idx="1">
+            <a:schemeClr val="accent1"/>
+          </a:fillRef>
+          <a:effectRef idx="0">
+            <a:schemeClr val="accent1"/>
+          </a:effectRef>
+          <a:fontRef idx="minor">
+            <a:schemeClr val="lt1"/>
+          </a:fontRef>
+        </p:style>
+        <p:txBody>
+          <a:bodyPr rtlCol="0" anchor="ctr"/>
+          <a:lstStyle/>
+          <a:p>
+            <a:pPr algn="ctr"/>
+            <a:r>
+              <a:rPr lang="de-DE" sz="2400" dirty="0" err="1">
+                <a:solidFill>
+                  <a:schemeClr val="tx1"/>
+                </a:solidFill>
+              </a:rPr>
+              <a:t>Regulatory</a:t>
+            </a:r>
+            <a:r>
+              <a:rPr lang="de-DE" sz="2400" dirty="0">
+                <a:solidFill>
+                  <a:schemeClr val="tx1"/>
+                </a:solidFill>
+              </a:rPr>
+              <a:t> </a:t>
+            </a:r>
+            <a:r>
+              <a:rPr lang="de-DE" sz="2400" dirty="0" err="1">
+                <a:solidFill>
+                  <a:schemeClr val="tx1"/>
+                </a:solidFill>
+              </a:rPr>
+              <a:t>Config</a:t>
+            </a:r>
+            <a:endParaRPr lang="en-GB" sz="2400" dirty="0">
+              <a:solidFill>
+                <a:schemeClr val="tx1"/>
+              </a:solidFill>
+            </a:endParaRPr>
+          </a:p>
+        </p:txBody>
+      </p:sp>
+      <p:sp>
+        <p:nvSpPr>
+          <p:cNvPr id="6" name="Прямокутник: округлені кути 5">
+            <a:extLst>
+              <a:ext uri="{FF2B5EF4-FFF2-40B4-BE49-F238E27FC236}">
+                <a16:creationId xmlns:a16="http://schemas.microsoft.com/office/drawing/2014/main" id="{9E57EECC-2BDA-BE99-579F-2C071E2FC5EB}"/>
+              </a:ext>
+            </a:extLst>
+          </p:cNvPr>
+          <p:cNvSpPr/>
+          <p:nvPr/>
+        </p:nvSpPr>
+        <p:spPr>
+          <a:xfrm>
+            <a:off x="9528753" y="2228315"/>
+            <a:ext cx="2016000" cy="720000"/>
+          </a:xfrm>
+          <a:prstGeom prst="roundRect">
+            <a:avLst/>
+          </a:prstGeom>
+          <a:solidFill>
+            <a:schemeClr val="accent5">
+              <a:lumMod val="20000"/>
+              <a:lumOff val="80000"/>
+            </a:schemeClr>
+          </a:solidFill>
+          <a:ln cmpd="sng">
+            <a:solidFill>
+              <a:schemeClr val="tx1"/>
+            </a:solidFill>
+          </a:ln>
+        </p:spPr>
+        <p:style>
+          <a:lnRef idx="2">
+            <a:schemeClr val="accent1">
+              <a:shade val="15000"/>
+            </a:schemeClr>
+          </a:lnRef>
+          <a:fillRef idx="1">
+            <a:schemeClr val="accent1"/>
+          </a:fillRef>
+          <a:effectRef idx="0">
+            <a:schemeClr val="accent1"/>
+          </a:effectRef>
+          <a:fontRef idx="minor">
+            <a:schemeClr val="lt1"/>
+          </a:fontRef>
+        </p:style>
+        <p:txBody>
+          <a:bodyPr rtlCol="0" anchor="ctr"/>
+          <a:lstStyle/>
+          <a:p>
+            <a:pPr algn="ctr"/>
+            <a:r>
+              <a:rPr lang="de-DE" sz="2400" dirty="0" err="1">
+                <a:solidFill>
+                  <a:schemeClr val="tx1"/>
+                </a:solidFill>
+              </a:rPr>
+              <a:t>Validate</a:t>
+            </a:r>
+            <a:r>
+              <a:rPr lang="de-DE" sz="2400" dirty="0">
+                <a:solidFill>
+                  <a:schemeClr val="tx1"/>
+                </a:solidFill>
+              </a:rPr>
+              <a:t> Attestation</a:t>
+            </a:r>
+            <a:endParaRPr lang="en-GB" sz="2400" dirty="0">
+              <a:solidFill>
+                <a:schemeClr val="tx1"/>
+              </a:solidFill>
+            </a:endParaRPr>
+          </a:p>
+        </p:txBody>
+      </p:sp>
+      <p:sp>
+        <p:nvSpPr>
+          <p:cNvPr id="7" name="Прямокутник: округлені кути 6">
+            <a:extLst>
+              <a:ext uri="{FF2B5EF4-FFF2-40B4-BE49-F238E27FC236}">
+                <a16:creationId xmlns:a16="http://schemas.microsoft.com/office/drawing/2014/main" id="{4D13F35B-E73F-F683-B2CF-135158CB5183}"/>
+              </a:ext>
+            </a:extLst>
+          </p:cNvPr>
+          <p:cNvSpPr/>
+          <p:nvPr/>
+        </p:nvSpPr>
+        <p:spPr>
+          <a:xfrm>
+            <a:off x="9528753" y="3747028"/>
+            <a:ext cx="2016000" cy="720000"/>
+          </a:xfrm>
+          <a:prstGeom prst="roundRect">
+            <a:avLst/>
+          </a:prstGeom>
+          <a:solidFill>
+            <a:schemeClr val="accent5">
+              <a:lumMod val="20000"/>
+              <a:lumOff val="80000"/>
+            </a:schemeClr>
+          </a:solidFill>
+          <a:ln cmpd="sng">
+            <a:solidFill>
+              <a:schemeClr val="tx1"/>
+            </a:solidFill>
+          </a:ln>
+        </p:spPr>
+        <p:style>
+          <a:lnRef idx="2">
+            <a:schemeClr val="accent1">
+              <a:shade val="15000"/>
+            </a:schemeClr>
+          </a:lnRef>
+          <a:fillRef idx="1">
+            <a:schemeClr val="accent1"/>
+          </a:fillRef>
+          <a:effectRef idx="0">
+            <a:schemeClr val="accent1"/>
+          </a:effectRef>
+          <a:fontRef idx="minor">
+            <a:schemeClr val="lt1"/>
+          </a:fontRef>
+        </p:style>
+        <p:txBody>
+          <a:bodyPr rtlCol="0" anchor="ctr"/>
+          <a:lstStyle/>
+          <a:p>
+            <a:pPr algn="ctr"/>
+            <a:r>
+              <a:rPr lang="de-DE" sz="2400" dirty="0">
+                <a:solidFill>
+                  <a:schemeClr val="tx1"/>
+                </a:solidFill>
+              </a:rPr>
+              <a:t>Add NOC</a:t>
+            </a:r>
+            <a:endParaRPr lang="en-GB" sz="2400" dirty="0">
+              <a:solidFill>
+                <a:schemeClr val="tx1"/>
+              </a:solidFill>
+            </a:endParaRPr>
+          </a:p>
+        </p:txBody>
+      </p:sp>
+      <p:sp>
+        <p:nvSpPr>
+          <p:cNvPr id="8" name="Прямокутник: округлені кути 7">
+            <a:extLst>
+              <a:ext uri="{FF2B5EF4-FFF2-40B4-BE49-F238E27FC236}">
+                <a16:creationId xmlns:a16="http://schemas.microsoft.com/office/drawing/2014/main" id="{AB646B82-CBB5-83EC-CD50-B8753A59FF5D}"/>
+              </a:ext>
+            </a:extLst>
+          </p:cNvPr>
+          <p:cNvSpPr/>
+          <p:nvPr/>
+        </p:nvSpPr>
+        <p:spPr>
+          <a:xfrm>
+            <a:off x="6538141" y="3773225"/>
+            <a:ext cx="2016000" cy="720000"/>
+          </a:xfrm>
+          <a:prstGeom prst="roundRect">
+            <a:avLst/>
+          </a:prstGeom>
+          <a:solidFill>
+            <a:schemeClr val="accent5">
+              <a:lumMod val="20000"/>
+              <a:lumOff val="80000"/>
+            </a:schemeClr>
+          </a:solidFill>
+          <a:ln cmpd="sng">
+            <a:solidFill>
+              <a:schemeClr val="tx1"/>
+            </a:solidFill>
+          </a:ln>
+        </p:spPr>
+        <p:style>
+          <a:lnRef idx="2">
+            <a:schemeClr val="accent1">
+              <a:shade val="15000"/>
+            </a:schemeClr>
+          </a:lnRef>
+          <a:fillRef idx="1">
+            <a:schemeClr val="accent1"/>
+          </a:fillRef>
+          <a:effectRef idx="0">
+            <a:schemeClr val="accent1"/>
+          </a:effectRef>
+          <a:fontRef idx="minor">
+            <a:schemeClr val="lt1"/>
+          </a:fontRef>
+        </p:style>
+        <p:txBody>
+          <a:bodyPr rtlCol="0" anchor="ctr"/>
+          <a:lstStyle/>
+          <a:p>
+            <a:pPr algn="ctr"/>
+            <a:r>
+              <a:rPr lang="de-DE" sz="2400" dirty="0">
+                <a:solidFill>
+                  <a:schemeClr val="tx1"/>
+                </a:solidFill>
+              </a:rPr>
+              <a:t>Network </a:t>
+            </a:r>
+            <a:r>
+              <a:rPr lang="de-DE" sz="2400">
+                <a:solidFill>
+                  <a:schemeClr val="tx1"/>
+                </a:solidFill>
+              </a:rPr>
+              <a:t>Provisioning</a:t>
+            </a:r>
+            <a:endParaRPr lang="en-GB" sz="2400" dirty="0">
+              <a:solidFill>
+                <a:schemeClr val="tx1"/>
+              </a:solidFill>
+            </a:endParaRPr>
+          </a:p>
+        </p:txBody>
+      </p:sp>
+      <p:sp>
+        <p:nvSpPr>
+          <p:cNvPr id="9" name="Прямокутник: округлені кути 8">
+            <a:extLst>
+              <a:ext uri="{FF2B5EF4-FFF2-40B4-BE49-F238E27FC236}">
+                <a16:creationId xmlns:a16="http://schemas.microsoft.com/office/drawing/2014/main" id="{AB7E46E4-C03B-5A56-A6B1-88ED8BF0BD52}"/>
+              </a:ext>
+            </a:extLst>
+          </p:cNvPr>
+          <p:cNvSpPr/>
+          <p:nvPr/>
+        </p:nvSpPr>
+        <p:spPr>
+          <a:xfrm>
+            <a:off x="3547529" y="3747028"/>
+            <a:ext cx="2016000" cy="720000"/>
+          </a:xfrm>
+          <a:prstGeom prst="roundRect">
+            <a:avLst/>
+          </a:prstGeom>
+          <a:solidFill>
+            <a:schemeClr val="accent5">
+              <a:lumMod val="20000"/>
+              <a:lumOff val="80000"/>
+            </a:schemeClr>
+          </a:solidFill>
+          <a:ln cmpd="sng">
+            <a:solidFill>
+              <a:schemeClr val="tx1"/>
+            </a:solidFill>
+          </a:ln>
+        </p:spPr>
+        <p:style>
+          <a:lnRef idx="2">
+            <a:schemeClr val="accent1">
+              <a:shade val="15000"/>
+            </a:schemeClr>
+          </a:lnRef>
+          <a:fillRef idx="1">
+            <a:schemeClr val="accent1"/>
+          </a:fillRef>
+          <a:effectRef idx="0">
+            <a:schemeClr val="accent1"/>
+          </a:effectRef>
+          <a:fontRef idx="minor">
+            <a:schemeClr val="lt1"/>
+          </a:fontRef>
+        </p:style>
+        <p:txBody>
+          <a:bodyPr rtlCol="0" anchor="ctr"/>
+          <a:lstStyle/>
+          <a:p>
+            <a:pPr algn="ctr"/>
+            <a:r>
+              <a:rPr lang="de-DE" sz="2400" dirty="0">
+                <a:solidFill>
+                  <a:schemeClr val="tx1"/>
+                </a:solidFill>
+              </a:rPr>
+              <a:t>Operational Discovery</a:t>
+            </a:r>
+            <a:endParaRPr lang="en-GB" sz="2400" dirty="0">
+              <a:solidFill>
+                <a:schemeClr val="tx1"/>
+              </a:solidFill>
+            </a:endParaRPr>
+          </a:p>
+        </p:txBody>
+      </p:sp>
+      <p:sp>
+        <p:nvSpPr>
+          <p:cNvPr id="10" name="Прямокутник: округлені кути 9">
+            <a:extLst>
+              <a:ext uri="{FF2B5EF4-FFF2-40B4-BE49-F238E27FC236}">
+                <a16:creationId xmlns:a16="http://schemas.microsoft.com/office/drawing/2014/main" id="{3E8E198A-5BA1-B308-FC25-F2181EA043E3}"/>
+              </a:ext>
+            </a:extLst>
+          </p:cNvPr>
+          <p:cNvSpPr/>
+          <p:nvPr/>
+        </p:nvSpPr>
+        <p:spPr>
+          <a:xfrm>
+            <a:off x="553632" y="3773225"/>
+            <a:ext cx="2016000" cy="720000"/>
+          </a:xfrm>
+          <a:prstGeom prst="roundRect">
+            <a:avLst/>
+          </a:prstGeom>
+          <a:solidFill>
+            <a:schemeClr val="accent5">
+              <a:lumMod val="20000"/>
+              <a:lumOff val="80000"/>
+            </a:schemeClr>
+          </a:solidFill>
+          <a:ln cmpd="sng">
+            <a:solidFill>
+              <a:schemeClr val="tx1"/>
+            </a:solidFill>
+          </a:ln>
+        </p:spPr>
+        <p:style>
+          <a:lnRef idx="2">
+            <a:schemeClr val="accent1">
+              <a:shade val="15000"/>
+            </a:schemeClr>
+          </a:lnRef>
+          <a:fillRef idx="1">
+            <a:schemeClr val="accent1"/>
+          </a:fillRef>
+          <a:effectRef idx="0">
+            <a:schemeClr val="accent1"/>
+          </a:effectRef>
+          <a:fontRef idx="minor">
+            <a:schemeClr val="lt1"/>
+          </a:fontRef>
+        </p:style>
+        <p:txBody>
+          <a:bodyPr rtlCol="0" anchor="ctr"/>
+          <a:lstStyle/>
+          <a:p>
+            <a:pPr algn="ctr"/>
+            <a:r>
+              <a:rPr lang="de-DE" sz="2400" dirty="0">
+                <a:solidFill>
+                  <a:schemeClr val="tx1"/>
+                </a:solidFill>
+              </a:rPr>
+              <a:t>CASE</a:t>
+            </a:r>
+            <a:endParaRPr lang="en-GB" sz="2400" dirty="0">
+              <a:solidFill>
+                <a:schemeClr val="tx1"/>
+              </a:solidFill>
+            </a:endParaRPr>
+          </a:p>
+        </p:txBody>
+      </p:sp>
+      <p:sp>
+        <p:nvSpPr>
+          <p:cNvPr id="11" name="Стрілка: вправо 10">
+            <a:extLst>
+              <a:ext uri="{FF2B5EF4-FFF2-40B4-BE49-F238E27FC236}">
+                <a16:creationId xmlns:a16="http://schemas.microsoft.com/office/drawing/2014/main" id="{2A40AB98-4D93-6604-9B10-6BF9F8209746}"/>
+              </a:ext>
+            </a:extLst>
+          </p:cNvPr>
+          <p:cNvSpPr/>
+          <p:nvPr/>
+        </p:nvSpPr>
+        <p:spPr>
+          <a:xfrm>
+            <a:off x="2739914" y="871229"/>
+            <a:ext cx="635584" cy="410394"/>
+          </a:xfrm>
+          <a:prstGeom prst="rightArrow">
+            <a:avLst/>
+          </a:prstGeom>
+          <a:solidFill>
+            <a:schemeClr val="accent2">
+              <a:lumMod val="60000"/>
+              <a:lumOff val="40000"/>
+            </a:schemeClr>
+          </a:solidFill>
+        </p:spPr>
+        <p:style>
+          <a:lnRef idx="2">
+            <a:schemeClr val="accent1">
+              <a:shade val="15000"/>
+            </a:schemeClr>
+          </a:lnRef>
+          <a:fillRef idx="1">
+            <a:schemeClr val="accent1"/>
+          </a:fillRef>
+          <a:effectRef idx="0">
+            <a:schemeClr val="accent1"/>
+          </a:effectRef>
+          <a:fontRef idx="minor">
+            <a:schemeClr val="lt1"/>
+          </a:fontRef>
+        </p:style>
+        <p:txBody>
+          <a:bodyPr rtlCol="0" anchor="ctr"/>
+          <a:lstStyle/>
+          <a:p>
+            <a:pPr algn="ctr"/>
+            <a:endParaRPr lang="en-GB"/>
+          </a:p>
+        </p:txBody>
+      </p:sp>
+      <p:sp>
+        <p:nvSpPr>
+          <p:cNvPr id="12" name="Стрілка: вправо 11">
+            <a:extLst>
+              <a:ext uri="{FF2B5EF4-FFF2-40B4-BE49-F238E27FC236}">
+                <a16:creationId xmlns:a16="http://schemas.microsoft.com/office/drawing/2014/main" id="{36263FAA-336C-1FC8-4E95-8F4EA8ED59EF}"/>
+              </a:ext>
+            </a:extLst>
+          </p:cNvPr>
+          <p:cNvSpPr/>
+          <p:nvPr/>
+        </p:nvSpPr>
+        <p:spPr>
+          <a:xfrm>
+            <a:off x="5730592" y="871229"/>
+            <a:ext cx="637200" cy="410394"/>
+          </a:xfrm>
+          <a:prstGeom prst="rightArrow">
+            <a:avLst/>
+          </a:prstGeom>
+          <a:solidFill>
+            <a:schemeClr val="accent2">
+              <a:lumMod val="60000"/>
+              <a:lumOff val="40000"/>
+            </a:schemeClr>
+          </a:solidFill>
+        </p:spPr>
+        <p:style>
+          <a:lnRef idx="2">
+            <a:schemeClr val="accent1">
+              <a:shade val="15000"/>
+            </a:schemeClr>
+          </a:lnRef>
+          <a:fillRef idx="1">
+            <a:schemeClr val="accent1"/>
+          </a:fillRef>
+          <a:effectRef idx="0">
+            <a:schemeClr val="accent1"/>
+          </a:effectRef>
+          <a:fontRef idx="minor">
+            <a:schemeClr val="lt1"/>
+          </a:fontRef>
+        </p:style>
+        <p:txBody>
+          <a:bodyPr rtlCol="0" anchor="ctr"/>
+          <a:lstStyle/>
+          <a:p>
+            <a:pPr algn="ctr"/>
+            <a:endParaRPr lang="en-GB"/>
+          </a:p>
+        </p:txBody>
+      </p:sp>
+      <p:sp>
+        <p:nvSpPr>
+          <p:cNvPr id="13" name="Стрілка: вправо 12">
+            <a:extLst>
+              <a:ext uri="{FF2B5EF4-FFF2-40B4-BE49-F238E27FC236}">
+                <a16:creationId xmlns:a16="http://schemas.microsoft.com/office/drawing/2014/main" id="{E9C0D578-EE93-EE2A-DB0D-5371528E54C1}"/>
+              </a:ext>
+            </a:extLst>
+          </p:cNvPr>
+          <p:cNvSpPr/>
+          <p:nvPr/>
+        </p:nvSpPr>
+        <p:spPr>
+          <a:xfrm>
+            <a:off x="8724489" y="871229"/>
+            <a:ext cx="637200" cy="410394"/>
+          </a:xfrm>
+          <a:prstGeom prst="rightArrow">
+            <a:avLst/>
+          </a:prstGeom>
+          <a:solidFill>
+            <a:schemeClr val="accent2">
+              <a:lumMod val="60000"/>
+              <a:lumOff val="40000"/>
+            </a:schemeClr>
+          </a:solidFill>
+        </p:spPr>
+        <p:style>
+          <a:lnRef idx="2">
+            <a:schemeClr val="accent1">
+              <a:shade val="15000"/>
+            </a:schemeClr>
+          </a:lnRef>
+          <a:fillRef idx="1">
+            <a:schemeClr val="accent1"/>
+          </a:fillRef>
+          <a:effectRef idx="0">
+            <a:schemeClr val="accent1"/>
+          </a:effectRef>
+          <a:fontRef idx="minor">
+            <a:schemeClr val="lt1"/>
+          </a:fontRef>
+        </p:style>
+        <p:txBody>
+          <a:bodyPr rtlCol="0" anchor="ctr"/>
+          <a:lstStyle/>
+          <a:p>
+            <a:pPr algn="ctr"/>
+            <a:endParaRPr lang="en-GB"/>
+          </a:p>
+        </p:txBody>
+      </p:sp>
+      <p:sp>
+        <p:nvSpPr>
+          <p:cNvPr id="14" name="Стрілка: вправо 13">
+            <a:extLst>
+              <a:ext uri="{FF2B5EF4-FFF2-40B4-BE49-F238E27FC236}">
+                <a16:creationId xmlns:a16="http://schemas.microsoft.com/office/drawing/2014/main" id="{580FED01-500B-4113-A8E0-95D471D1CBE9}"/>
+              </a:ext>
+            </a:extLst>
+          </p:cNvPr>
+          <p:cNvSpPr/>
+          <p:nvPr/>
+        </p:nvSpPr>
+        <p:spPr>
+          <a:xfrm rot="5400000">
+            <a:off x="10218153" y="1623761"/>
+            <a:ext cx="637200" cy="410394"/>
+          </a:xfrm>
+          <a:prstGeom prst="rightArrow">
+            <a:avLst/>
+          </a:prstGeom>
+          <a:solidFill>
+            <a:schemeClr val="accent2">
+              <a:lumMod val="60000"/>
+              <a:lumOff val="40000"/>
+            </a:schemeClr>
+          </a:solidFill>
+        </p:spPr>
+        <p:style>
+          <a:lnRef idx="2">
+            <a:schemeClr val="accent1">
+              <a:shade val="15000"/>
+            </a:schemeClr>
+          </a:lnRef>
+          <a:fillRef idx="1">
+            <a:schemeClr val="accent1"/>
+          </a:fillRef>
+          <a:effectRef idx="0">
+            <a:schemeClr val="accent1"/>
+          </a:effectRef>
+          <a:fontRef idx="minor">
+            <a:schemeClr val="lt1"/>
+          </a:fontRef>
+        </p:style>
+        <p:txBody>
+          <a:bodyPr rtlCol="0" anchor="ctr"/>
+          <a:lstStyle/>
+          <a:p>
+            <a:pPr algn="ctr"/>
+            <a:endParaRPr lang="en-GB"/>
+          </a:p>
+        </p:txBody>
+      </p:sp>
+      <p:sp>
+        <p:nvSpPr>
+          <p:cNvPr id="15" name="Стрілка: вправо 14">
+            <a:extLst>
+              <a:ext uri="{FF2B5EF4-FFF2-40B4-BE49-F238E27FC236}">
+                <a16:creationId xmlns:a16="http://schemas.microsoft.com/office/drawing/2014/main" id="{9FD62278-D371-D088-7EFC-8A82C5365BFE}"/>
+              </a:ext>
+            </a:extLst>
+          </p:cNvPr>
+          <p:cNvSpPr/>
+          <p:nvPr/>
+        </p:nvSpPr>
+        <p:spPr>
+          <a:xfrm rot="5400000">
+            <a:off x="10218153" y="3142474"/>
+            <a:ext cx="637200" cy="410394"/>
+          </a:xfrm>
+          <a:prstGeom prst="rightArrow">
+            <a:avLst/>
+          </a:prstGeom>
+          <a:solidFill>
+            <a:schemeClr val="accent2">
+              <a:lumMod val="60000"/>
+              <a:lumOff val="40000"/>
+            </a:schemeClr>
+          </a:solidFill>
+        </p:spPr>
+        <p:style>
+          <a:lnRef idx="2">
+            <a:schemeClr val="accent1">
+              <a:shade val="15000"/>
+            </a:schemeClr>
+          </a:lnRef>
+          <a:fillRef idx="1">
+            <a:schemeClr val="accent1"/>
+          </a:fillRef>
+          <a:effectRef idx="0">
+            <a:schemeClr val="accent1"/>
+          </a:effectRef>
+          <a:fontRef idx="minor">
+            <a:schemeClr val="lt1"/>
+          </a:fontRef>
+        </p:style>
+        <p:txBody>
+          <a:bodyPr rtlCol="0" anchor="ctr"/>
+          <a:lstStyle/>
+          <a:p>
+            <a:pPr algn="ctr"/>
+            <a:endParaRPr lang="en-GB"/>
+          </a:p>
+        </p:txBody>
+      </p:sp>
+      <p:sp>
+        <p:nvSpPr>
+          <p:cNvPr id="16" name="Стрілка: вправо 15">
+            <a:extLst>
+              <a:ext uri="{FF2B5EF4-FFF2-40B4-BE49-F238E27FC236}">
+                <a16:creationId xmlns:a16="http://schemas.microsoft.com/office/drawing/2014/main" id="{256843A2-B638-5375-763F-03327DEC7300}"/>
+              </a:ext>
+            </a:extLst>
+          </p:cNvPr>
+          <p:cNvSpPr/>
+          <p:nvPr/>
+        </p:nvSpPr>
+        <p:spPr>
+          <a:xfrm rot="10800000">
+            <a:off x="8722847" y="3928028"/>
+            <a:ext cx="637200" cy="410394"/>
+          </a:xfrm>
+          <a:prstGeom prst="rightArrow">
+            <a:avLst/>
+          </a:prstGeom>
+          <a:solidFill>
+            <a:schemeClr val="accent2">
+              <a:lumMod val="60000"/>
+              <a:lumOff val="40000"/>
+            </a:schemeClr>
+          </a:solidFill>
+        </p:spPr>
+        <p:style>
+          <a:lnRef idx="2">
+            <a:schemeClr val="accent1">
+              <a:shade val="15000"/>
+            </a:schemeClr>
+          </a:lnRef>
+          <a:fillRef idx="1">
+            <a:schemeClr val="accent1"/>
+          </a:fillRef>
+          <a:effectRef idx="0">
+            <a:schemeClr val="accent1"/>
+          </a:effectRef>
+          <a:fontRef idx="minor">
+            <a:schemeClr val="lt1"/>
+          </a:fontRef>
+        </p:style>
+        <p:txBody>
+          <a:bodyPr rtlCol="0" anchor="ctr"/>
+          <a:lstStyle/>
+          <a:p>
+            <a:pPr algn="ctr"/>
+            <a:endParaRPr lang="en-GB"/>
+          </a:p>
+        </p:txBody>
+      </p:sp>
+      <p:sp>
+        <p:nvSpPr>
+          <p:cNvPr id="17" name="Стрілка: вправо 16">
+            <a:extLst>
+              <a:ext uri="{FF2B5EF4-FFF2-40B4-BE49-F238E27FC236}">
+                <a16:creationId xmlns:a16="http://schemas.microsoft.com/office/drawing/2014/main" id="{54BC5367-8D37-3088-A333-C8AB9E4151AB}"/>
+              </a:ext>
+            </a:extLst>
+          </p:cNvPr>
+          <p:cNvSpPr/>
+          <p:nvPr/>
+        </p:nvSpPr>
+        <p:spPr>
+          <a:xfrm rot="10800000">
+            <a:off x="5729453" y="3901831"/>
+            <a:ext cx="637200" cy="410394"/>
+          </a:xfrm>
+          <a:prstGeom prst="rightArrow">
+            <a:avLst/>
+          </a:prstGeom>
+          <a:solidFill>
+            <a:schemeClr val="accent2">
+              <a:lumMod val="60000"/>
+              <a:lumOff val="40000"/>
+            </a:schemeClr>
+          </a:solidFill>
+        </p:spPr>
+        <p:style>
+          <a:lnRef idx="2">
+            <a:schemeClr val="accent1">
+              <a:shade val="15000"/>
+            </a:schemeClr>
+          </a:lnRef>
+          <a:fillRef idx="1">
+            <a:schemeClr val="accent1"/>
+          </a:fillRef>
+          <a:effectRef idx="0">
+            <a:schemeClr val="accent1"/>
+          </a:effectRef>
+          <a:fontRef idx="minor">
+            <a:schemeClr val="lt1"/>
+          </a:fontRef>
+        </p:style>
+        <p:txBody>
+          <a:bodyPr rtlCol="0" anchor="ctr"/>
+          <a:lstStyle/>
+          <a:p>
+            <a:pPr algn="ctr"/>
+            <a:endParaRPr lang="en-GB"/>
+          </a:p>
+        </p:txBody>
+      </p:sp>
+      <p:sp>
+        <p:nvSpPr>
+          <p:cNvPr id="18" name="Стрілка: вправо 17">
+            <a:extLst>
+              <a:ext uri="{FF2B5EF4-FFF2-40B4-BE49-F238E27FC236}">
+                <a16:creationId xmlns:a16="http://schemas.microsoft.com/office/drawing/2014/main" id="{E1C7A66D-A19C-5677-A5BD-FEA0F64B91CB}"/>
+              </a:ext>
+            </a:extLst>
+          </p:cNvPr>
+          <p:cNvSpPr/>
+          <p:nvPr/>
+        </p:nvSpPr>
+        <p:spPr>
+          <a:xfrm rot="10800000">
+            <a:off x="2739106" y="3901831"/>
+            <a:ext cx="637200" cy="410394"/>
+          </a:xfrm>
+          <a:prstGeom prst="rightArrow">
+            <a:avLst/>
+          </a:prstGeom>
+          <a:solidFill>
+            <a:schemeClr val="accent2">
+              <a:lumMod val="60000"/>
+              <a:lumOff val="40000"/>
+            </a:schemeClr>
+          </a:solidFill>
+        </p:spPr>
+        <p:style>
+          <a:lnRef idx="2">
+            <a:schemeClr val="accent1">
+              <a:shade val="15000"/>
+            </a:schemeClr>
+          </a:lnRef>
+          <a:fillRef idx="1">
+            <a:schemeClr val="accent1"/>
+          </a:fillRef>
+          <a:effectRef idx="0">
+            <a:schemeClr val="accent1"/>
+          </a:effectRef>
+          <a:fontRef idx="minor">
+            <a:schemeClr val="lt1"/>
+          </a:fontRef>
+        </p:style>
+        <p:txBody>
+          <a:bodyPr rtlCol="0" anchor="ctr"/>
+          <a:lstStyle/>
+          <a:p>
+            <a:pPr algn="ctr"/>
+            <a:endParaRPr lang="en-GB"/>
+          </a:p>
+        </p:txBody>
+      </p:sp>
+    </p:spTree>
+    <p:extLst>
+      <p:ext uri="{BB962C8B-B14F-4D97-AF65-F5344CB8AC3E}">
+        <p14:creationId xmlns:p14="http://schemas.microsoft.com/office/powerpoint/2010/main" val="566412677"/>
+      </p:ext>
+    </p:extLst>
+  </p:cSld>
+  <p:clrMapOvr>
+    <a:masterClrMapping/>
+  </p:clrMapOvr>
+</p:sld>
+</file>
+
 <file path=ppt/theme/theme1.xml><?xml version="1.0" encoding="utf-8"?>
 <a:theme xmlns:a="http://schemas.openxmlformats.org/drawingml/2006/main" name="Тема Office">
   <a:themeElements>
